--- a/LearningPythonWithoutPico/Using Thonny without Pico.pptx
+++ b/LearningPythonWithoutPico/Using Thonny without Pico.pptx
@@ -5439,12 +5439,56 @@
           <a:chExt cx="0" cy="0"/>
         </a:xfrm>
       </p:grpSpPr>
+      <p:sp>
+        <p:nvSpPr>
+          <p:cNvPr id="4" name="TextBox 3">
+            <a:extLst>
+              <a:ext uri="{FF2B5EF4-FFF2-40B4-BE49-F238E27FC236}">
+                <a16:creationId xmlns:a16="http://schemas.microsoft.com/office/drawing/2014/main" id="{CB996738-220A-E1B7-EE8F-3F57F71987EE}"/>
+              </a:ext>
+            </a:extLst>
+          </p:cNvPr>
+          <p:cNvSpPr txBox="1"/>
+          <p:nvPr/>
+        </p:nvSpPr>
+        <p:spPr>
+          <a:xfrm>
+            <a:off x="3781872" y="5206482"/>
+            <a:ext cx="4718023" cy="369332"/>
+          </a:xfrm>
+          <a:prstGeom prst="rect">
+            <a:avLst/>
+          </a:prstGeom>
+          <a:noFill/>
+        </p:spPr>
+        <p:txBody>
+          <a:bodyPr wrap="none" rtlCol="0">
+            <a:spAutoFit/>
+          </a:bodyPr>
+          <a:lstStyle/>
+          <a:p>
+            <a:r>
+              <a:rPr lang="en-US" dirty="0"/>
+              <a:t>Download Thonny Installation </a:t>
+            </a:r>
+            <a:r>
+              <a:rPr lang="en-US" dirty="0" err="1"/>
+              <a:t>Powerpoint</a:t>
+            </a:r>
+            <a:r>
+              <a:rPr lang="en-US" dirty="0"/>
+              <a:t> Slides</a:t>
+            </a:r>
+            <a:endParaRPr lang="en-SG" dirty="0"/>
+          </a:p>
+        </p:txBody>
+      </p:sp>
       <p:pic>
         <p:nvPicPr>
-          <p:cNvPr id="3" name="Picture 2">
-            <a:extLst>
-              <a:ext uri="{FF2B5EF4-FFF2-40B4-BE49-F238E27FC236}">
-                <a16:creationId xmlns:a16="http://schemas.microsoft.com/office/drawing/2014/main" id="{C2E3A2D7-607E-BF53-B696-42B97AD8046D}"/>
+          <p:cNvPr id="5" name="Picture 4">
+            <a:extLst>
+              <a:ext uri="{FF2B5EF4-FFF2-40B4-BE49-F238E27FC236}">
+                <a16:creationId xmlns:a16="http://schemas.microsoft.com/office/drawing/2014/main" id="{8269BAD9-D54A-F6FE-264E-95EB49D90B24}"/>
               </a:ext>
             </a:extLst>
           </p:cNvPr>
@@ -5461,58 +5505,14 @@
         </p:blipFill>
         <p:spPr>
           <a:xfrm>
-            <a:off x="4038892" y="1038031"/>
-            <a:ext cx="3629025" cy="3886200"/>
+            <a:off x="4038600" y="1025007"/>
+            <a:ext cx="4114800" cy="4181475"/>
           </a:xfrm>
           <a:prstGeom prst="rect">
             <a:avLst/>
           </a:prstGeom>
         </p:spPr>
       </p:pic>
-      <p:sp>
-        <p:nvSpPr>
-          <p:cNvPr id="4" name="TextBox 3">
-            <a:extLst>
-              <a:ext uri="{FF2B5EF4-FFF2-40B4-BE49-F238E27FC236}">
-                <a16:creationId xmlns:a16="http://schemas.microsoft.com/office/drawing/2014/main" id="{CB996738-220A-E1B7-EE8F-3F57F71987EE}"/>
-              </a:ext>
-            </a:extLst>
-          </p:cNvPr>
-          <p:cNvSpPr txBox="1"/>
-          <p:nvPr/>
-        </p:nvSpPr>
-        <p:spPr>
-          <a:xfrm>
-            <a:off x="3781872" y="5206482"/>
-            <a:ext cx="4718023" cy="369332"/>
-          </a:xfrm>
-          <a:prstGeom prst="rect">
-            <a:avLst/>
-          </a:prstGeom>
-          <a:noFill/>
-        </p:spPr>
-        <p:txBody>
-          <a:bodyPr wrap="none" rtlCol="0">
-            <a:spAutoFit/>
-          </a:bodyPr>
-          <a:lstStyle/>
-          <a:p>
-            <a:r>
-              <a:rPr lang="en-US" dirty="0"/>
-              <a:t>Download Thonny Installation </a:t>
-            </a:r>
-            <a:r>
-              <a:rPr lang="en-US" dirty="0" err="1"/>
-              <a:t>Powerpoint</a:t>
-            </a:r>
-            <a:r>
-              <a:rPr lang="en-US" dirty="0"/>
-              <a:t> Slides</a:t>
-            </a:r>
-            <a:endParaRPr lang="en-SG" dirty="0"/>
-          </a:p>
-        </p:txBody>
-      </p:sp>
     </p:spTree>
     <p:extLst>
       <p:ext uri="{BB962C8B-B14F-4D97-AF65-F5344CB8AC3E}">
